--- a/docs/1072_datascience_FP_107363015_G6.pptx
+++ b/docs/1072_datascience_FP_107363015_G6.pptx
@@ -27421,8 +27421,8 @@
         </p:nvSpPr>
         <p:spPr>
           <a:xfrm>
-            <a:off x="188741" y="1690689"/>
-            <a:ext cx="11814517" cy="4625705"/>
+            <a:off x="214531" y="1392702"/>
+            <a:ext cx="11814517" cy="5084822"/>
           </a:xfrm>
         </p:spPr>
         <p:txBody>
@@ -27431,7 +27431,6 @@
           </a:bodyPr>
           <a:lstStyle/>
           <a:p>
-            <a:pPr algn="ctr"/>
             <a:r>
               <a:rPr lang="en-US" altLang="zh-TW" sz="3200" dirty="0"/>
               <a:t>We choose </a:t>
@@ -27444,7 +27443,18 @@
               </a:rPr>
               <a:t>alpha = 0.5</a:t>
             </a:r>
-            <a:endParaRPr lang="en-US" altLang="zh-TW" sz="3200" dirty="0"/>
+            <a:r>
+              <a:rPr lang="zh-TW" altLang="en-US" sz="3200" b="1" dirty="0">
+                <a:solidFill>
+                  <a:srgbClr val="0070C0"/>
+                </a:solidFill>
+              </a:rPr>
+              <a:t> </a:t>
+            </a:r>
+            <a:r>
+              <a:rPr lang="en-US" altLang="zh-TW" sz="3200" dirty="0"/>
+              <a:t>since Lander, J. P. recommend to choose alpha &lt; 0.5</a:t>
+            </a:r>
           </a:p>
           <a:p>
             <a:r>
@@ -27643,6 +27653,291 @@
                 </a:solidFill>
               </a:rPr>
               <a:t>28</a:t>
+            </a:r>
+          </a:p>
+        </p:txBody>
+      </p:sp>
+      <p:sp>
+        <p:nvSpPr>
+          <p:cNvPr id="5" name="內容版面配置區 2">
+            <a:extLst>
+              <a:ext uri="{FF2B5EF4-FFF2-40B4-BE49-F238E27FC236}">
+                <a16:creationId xmlns:a16="http://schemas.microsoft.com/office/drawing/2014/main" id="{683A9FB5-E25C-4040-BD80-5CDF21162D29}"/>
+              </a:ext>
+            </a:extLst>
+          </p:cNvPr>
+          <p:cNvSpPr txBox="1">
+            <a:spLocks/>
+          </p:cNvSpPr>
+          <p:nvPr/>
+        </p:nvSpPr>
+        <p:spPr>
+          <a:xfrm>
+            <a:off x="2226212" y="6492875"/>
+            <a:ext cx="9306950" cy="380476"/>
+          </a:xfrm>
+          <a:prstGeom prst="rect">
+            <a:avLst/>
+          </a:prstGeom>
+        </p:spPr>
+        <p:txBody>
+          <a:bodyPr vert="horz" lIns="0" tIns="45720" rIns="0" bIns="45720" rtlCol="0">
+            <a:noAutofit/>
+          </a:bodyPr>
+          <a:lstStyle>
+            <a:lvl1pPr marL="91440" indent="-91440" algn="l" defTabSz="914400" rtl="0" eaLnBrk="1" latinLnBrk="0" hangingPunct="1">
+              <a:lnSpc>
+                <a:spcPct val="90000"/>
+              </a:lnSpc>
+              <a:spcBef>
+                <a:spcPts val="1200"/>
+              </a:spcBef>
+              <a:spcAft>
+                <a:spcPts val="200"/>
+              </a:spcAft>
+              <a:buClr>
+                <a:schemeClr val="accent1"/>
+              </a:buClr>
+              <a:buSzPct val="100000"/>
+              <a:buFont typeface="Calibri" panose="020F0502020204030204" pitchFamily="34" charset="0"/>
+              <a:buChar char=" "/>
+              <a:defRPr sz="2000" kern="1200">
+                <a:solidFill>
+                  <a:schemeClr val="tx1">
+                    <a:lumMod val="75000"/>
+                    <a:lumOff val="25000"/>
+                  </a:schemeClr>
+                </a:solidFill>
+                <a:latin typeface="+mn-lt"/>
+                <a:ea typeface="+mn-ea"/>
+                <a:cs typeface="+mn-cs"/>
+              </a:defRPr>
+            </a:lvl1pPr>
+            <a:lvl2pPr marL="384048" indent="-182880" algn="l" defTabSz="914400" rtl="0" eaLnBrk="1" latinLnBrk="0" hangingPunct="1">
+              <a:lnSpc>
+                <a:spcPct val="90000"/>
+              </a:lnSpc>
+              <a:spcBef>
+                <a:spcPts val="200"/>
+              </a:spcBef>
+              <a:spcAft>
+                <a:spcPts val="400"/>
+              </a:spcAft>
+              <a:buClr>
+                <a:schemeClr val="accent1"/>
+              </a:buClr>
+              <a:buFont typeface="Calibri" pitchFamily="34" charset="0"/>
+              <a:buChar char="◦"/>
+              <a:defRPr sz="1800" kern="1200">
+                <a:solidFill>
+                  <a:schemeClr val="tx1">
+                    <a:lumMod val="75000"/>
+                    <a:lumOff val="25000"/>
+                  </a:schemeClr>
+                </a:solidFill>
+                <a:latin typeface="+mn-lt"/>
+                <a:ea typeface="+mn-ea"/>
+                <a:cs typeface="+mn-cs"/>
+              </a:defRPr>
+            </a:lvl2pPr>
+            <a:lvl3pPr marL="566928" indent="-182880" algn="l" defTabSz="914400" rtl="0" eaLnBrk="1" latinLnBrk="0" hangingPunct="1">
+              <a:lnSpc>
+                <a:spcPct val="90000"/>
+              </a:lnSpc>
+              <a:spcBef>
+                <a:spcPts val="200"/>
+              </a:spcBef>
+              <a:spcAft>
+                <a:spcPts val="400"/>
+              </a:spcAft>
+              <a:buClr>
+                <a:schemeClr val="accent1"/>
+              </a:buClr>
+              <a:buFont typeface="Calibri" pitchFamily="34" charset="0"/>
+              <a:buChar char="◦"/>
+              <a:defRPr sz="1400" kern="1200">
+                <a:solidFill>
+                  <a:schemeClr val="tx1">
+                    <a:lumMod val="75000"/>
+                    <a:lumOff val="25000"/>
+                  </a:schemeClr>
+                </a:solidFill>
+                <a:latin typeface="+mn-lt"/>
+                <a:ea typeface="+mn-ea"/>
+                <a:cs typeface="+mn-cs"/>
+              </a:defRPr>
+            </a:lvl3pPr>
+            <a:lvl4pPr marL="749808" indent="-182880" algn="l" defTabSz="914400" rtl="0" eaLnBrk="1" latinLnBrk="0" hangingPunct="1">
+              <a:lnSpc>
+                <a:spcPct val="90000"/>
+              </a:lnSpc>
+              <a:spcBef>
+                <a:spcPts val="200"/>
+              </a:spcBef>
+              <a:spcAft>
+                <a:spcPts val="400"/>
+              </a:spcAft>
+              <a:buClr>
+                <a:schemeClr val="accent1"/>
+              </a:buClr>
+              <a:buFont typeface="Calibri" pitchFamily="34" charset="0"/>
+              <a:buChar char="◦"/>
+              <a:defRPr sz="1400" kern="1200">
+                <a:solidFill>
+                  <a:schemeClr val="tx1">
+                    <a:lumMod val="75000"/>
+                    <a:lumOff val="25000"/>
+                  </a:schemeClr>
+                </a:solidFill>
+                <a:latin typeface="+mn-lt"/>
+                <a:ea typeface="+mn-ea"/>
+                <a:cs typeface="+mn-cs"/>
+              </a:defRPr>
+            </a:lvl4pPr>
+            <a:lvl5pPr marL="932688" indent="-182880" algn="l" defTabSz="914400" rtl="0" eaLnBrk="1" latinLnBrk="0" hangingPunct="1">
+              <a:lnSpc>
+                <a:spcPct val="90000"/>
+              </a:lnSpc>
+              <a:spcBef>
+                <a:spcPts val="200"/>
+              </a:spcBef>
+              <a:spcAft>
+                <a:spcPts val="400"/>
+              </a:spcAft>
+              <a:buClr>
+                <a:schemeClr val="accent1"/>
+              </a:buClr>
+              <a:buFont typeface="Calibri" pitchFamily="34" charset="0"/>
+              <a:buChar char="◦"/>
+              <a:defRPr sz="1400" kern="1200">
+                <a:solidFill>
+                  <a:schemeClr val="tx1">
+                    <a:lumMod val="75000"/>
+                    <a:lumOff val="25000"/>
+                  </a:schemeClr>
+                </a:solidFill>
+                <a:latin typeface="+mn-lt"/>
+                <a:ea typeface="+mn-ea"/>
+                <a:cs typeface="+mn-cs"/>
+              </a:defRPr>
+            </a:lvl5pPr>
+            <a:lvl6pPr marL="1100000" indent="-228600" algn="l" defTabSz="914400" rtl="0" eaLnBrk="1" latinLnBrk="0" hangingPunct="1">
+              <a:lnSpc>
+                <a:spcPct val="90000"/>
+              </a:lnSpc>
+              <a:spcBef>
+                <a:spcPts val="200"/>
+              </a:spcBef>
+              <a:spcAft>
+                <a:spcPts val="400"/>
+              </a:spcAft>
+              <a:buClr>
+                <a:schemeClr val="accent1"/>
+              </a:buClr>
+              <a:buFont typeface="Calibri" pitchFamily="34" charset="0"/>
+              <a:buChar char="◦"/>
+              <a:defRPr sz="1400" kern="1200">
+                <a:solidFill>
+                  <a:schemeClr val="tx1">
+                    <a:lumMod val="75000"/>
+                    <a:lumOff val="25000"/>
+                  </a:schemeClr>
+                </a:solidFill>
+                <a:latin typeface="+mn-lt"/>
+                <a:ea typeface="+mn-ea"/>
+                <a:cs typeface="+mn-cs"/>
+              </a:defRPr>
+            </a:lvl6pPr>
+            <a:lvl7pPr marL="1300000" indent="-228600" algn="l" defTabSz="914400" rtl="0" eaLnBrk="1" latinLnBrk="0" hangingPunct="1">
+              <a:lnSpc>
+                <a:spcPct val="90000"/>
+              </a:lnSpc>
+              <a:spcBef>
+                <a:spcPts val="200"/>
+              </a:spcBef>
+              <a:spcAft>
+                <a:spcPts val="400"/>
+              </a:spcAft>
+              <a:buClr>
+                <a:schemeClr val="accent1"/>
+              </a:buClr>
+              <a:buFont typeface="Calibri" pitchFamily="34" charset="0"/>
+              <a:buChar char="◦"/>
+              <a:defRPr sz="1400" kern="1200">
+                <a:solidFill>
+                  <a:schemeClr val="tx1">
+                    <a:lumMod val="75000"/>
+                    <a:lumOff val="25000"/>
+                  </a:schemeClr>
+                </a:solidFill>
+                <a:latin typeface="+mn-lt"/>
+                <a:ea typeface="+mn-ea"/>
+                <a:cs typeface="+mn-cs"/>
+              </a:defRPr>
+            </a:lvl7pPr>
+            <a:lvl8pPr marL="1500000" indent="-228600" algn="l" defTabSz="914400" rtl="0" eaLnBrk="1" latinLnBrk="0" hangingPunct="1">
+              <a:lnSpc>
+                <a:spcPct val="90000"/>
+              </a:lnSpc>
+              <a:spcBef>
+                <a:spcPts val="200"/>
+              </a:spcBef>
+              <a:spcAft>
+                <a:spcPts val="400"/>
+              </a:spcAft>
+              <a:buClr>
+                <a:schemeClr val="accent1"/>
+              </a:buClr>
+              <a:buFont typeface="Calibri" pitchFamily="34" charset="0"/>
+              <a:buChar char="◦"/>
+              <a:defRPr sz="1400" kern="1200">
+                <a:solidFill>
+                  <a:schemeClr val="tx1">
+                    <a:lumMod val="75000"/>
+                    <a:lumOff val="25000"/>
+                  </a:schemeClr>
+                </a:solidFill>
+                <a:latin typeface="+mn-lt"/>
+                <a:ea typeface="+mn-ea"/>
+                <a:cs typeface="+mn-cs"/>
+              </a:defRPr>
+            </a:lvl8pPr>
+            <a:lvl9pPr marL="1700000" indent="-228600" algn="l" defTabSz="914400" rtl="0" eaLnBrk="1" latinLnBrk="0" hangingPunct="1">
+              <a:lnSpc>
+                <a:spcPct val="90000"/>
+              </a:lnSpc>
+              <a:spcBef>
+                <a:spcPts val="200"/>
+              </a:spcBef>
+              <a:spcAft>
+                <a:spcPts val="400"/>
+              </a:spcAft>
+              <a:buClr>
+                <a:schemeClr val="accent1"/>
+              </a:buClr>
+              <a:buFont typeface="Calibri" pitchFamily="34" charset="0"/>
+              <a:buChar char="◦"/>
+              <a:defRPr sz="1400" kern="1200">
+                <a:solidFill>
+                  <a:schemeClr val="tx1">
+                    <a:lumMod val="75000"/>
+                    <a:lumOff val="25000"/>
+                  </a:schemeClr>
+                </a:solidFill>
+                <a:latin typeface="+mn-lt"/>
+                <a:ea typeface="+mn-ea"/>
+                <a:cs typeface="+mn-cs"/>
+              </a:defRPr>
+            </a:lvl9pPr>
+          </a:lstStyle>
+          <a:p>
+            <a:r>
+              <a:rPr lang="en-US" altLang="zh-TW" dirty="0">
+                <a:solidFill>
+                  <a:schemeClr val="bg1"/>
+                </a:solidFill>
+              </a:rPr>
+              <a:t>Ref : Lander, J. P. (2017). R for Everyone: Advanced Analytics and Graphics, 2nd Edition.</a:t>
             </a:r>
           </a:p>
         </p:txBody>
